--- a/cnblogs/i.MXRT_HW_SerialFlashXip_Overview.pptx
+++ b/cnblogs/i.MXRT_HW_SerialFlashXip_Overview.pptx
@@ -258,7 +258,7 @@
                 </a:solidFill>
               </a:rPr>
               <a:pPr algn="l"/>
-              <a:t>11/4/2019 8:48:11 AM</a:t>
+              <a:t>11/5/2019 11:05:41 AM</a:t>
             </a:fld>
             <a:endParaRPr lang="en-US" sz="900">
               <a:solidFill>
@@ -1519,7 +1519,7 @@
                 </a:solidFill>
               </a:rPr>
               <a:pPr algn="l"/>
-              <a:t>11/4/2019 8:48:01 AM</a:t>
+              <a:t>11/5/2019 11:05:40 AM</a:t>
             </a:fld>
             <a:endParaRPr lang="en-US" sz="900">
               <a:solidFill>
@@ -31075,7 +31075,7 @@
             <a:fld id="{3BDFDD5F-E85B-4DA3-A4F9-9CF3C7409943}" type="datetime4">
               <a:rPr lang="en-US" smtClean="0"/>
               <a:pPr/>
-              <a:t>November 4, 2019</a:t>
+              <a:t>November 5, 2019</a:t>
             </a:fld>
             <a:endParaRPr lang="en-US"/>
           </a:p>
@@ -43293,7 +43293,7 @@
         <p:spPr>
           <a:xfrm>
             <a:off x="6131032" y="2620958"/>
-            <a:ext cx="2286827" cy="1843465"/>
+            <a:ext cx="2286827" cy="2255842"/>
           </a:xfrm>
           <a:prstGeom prst="rect">
             <a:avLst/>
@@ -43327,13 +43327,26 @@
           <a:p>
             <a:pPr algn="ctr"/>
             <a:r>
-              <a:rPr lang="en-US" altLang="zh-CN" dirty="0">
+              <a:rPr lang="en-US" altLang="zh-CN" dirty="0" err="1">
                 <a:solidFill>
                   <a:schemeClr val="tx1"/>
                 </a:solidFill>
               </a:rPr>
               <a:t>i.MXRT</a:t>
             </a:r>
+            <a:endParaRPr lang="en-US" altLang="zh-CN" dirty="0">
+              <a:solidFill>
+                <a:schemeClr val="tx1"/>
+              </a:solidFill>
+            </a:endParaRPr>
+          </a:p>
+          <a:p>
+            <a:pPr algn="ctr"/>
+            <a:endParaRPr lang="en-US" altLang="zh-CN" dirty="0">
+              <a:solidFill>
+                <a:schemeClr val="tx1"/>
+              </a:solidFill>
+            </a:endParaRPr>
           </a:p>
           <a:p>
             <a:pPr algn="ctr"/>
@@ -43483,7 +43496,7 @@
                   <a:schemeClr val="tx1"/>
                 </a:solidFill>
               </a:rPr>
-              <a:t>Flash</a:t>
+              <a:t>NOR Flash</a:t>
             </a:r>
           </a:p>
           <a:p>
@@ -43698,8 +43711,8 @@
         </p:nvSpPr>
         <p:spPr>
           <a:xfrm>
-            <a:off x="6750009" y="3819984"/>
-            <a:ext cx="1129967" cy="559092"/>
+            <a:off x="6750009" y="3819983"/>
+            <a:ext cx="1129967" cy="895451"/>
           </a:xfrm>
           <a:prstGeom prst="rect">
             <a:avLst/>
@@ -43736,6 +43749,14 @@
               <a:rPr lang="en-US" altLang="zh-CN" sz="1000" dirty="0"/>
               <a:t>FlexRAM</a:t>
             </a:r>
+          </a:p>
+          <a:p>
+            <a:pPr algn="ctr"/>
+            <a:endParaRPr lang="en-US" altLang="zh-CN" sz="1000" dirty="0"/>
+          </a:p>
+          <a:p>
+            <a:pPr algn="ctr"/>
+            <a:endParaRPr lang="en-US" altLang="zh-CN" sz="1000" dirty="0"/>
           </a:p>
           <a:p>
             <a:pPr algn="ctr"/>
@@ -44145,8 +44166,8 @@
         </p:nvSpPr>
         <p:spPr>
           <a:xfrm>
-            <a:off x="2520285" y="3069191"/>
-            <a:ext cx="457201" cy="693742"/>
+            <a:off x="2520285" y="3069190"/>
+            <a:ext cx="457201" cy="839421"/>
           </a:xfrm>
           <a:prstGeom prst="rect">
             <a:avLst/>
@@ -44261,7 +44282,7 @@
         </p:nvSpPr>
         <p:spPr>
           <a:xfrm>
-            <a:off x="996371" y="3662081"/>
+            <a:off x="996371" y="3576885"/>
             <a:ext cx="938240" cy="255495"/>
           </a:xfrm>
           <a:prstGeom prst="rect">
@@ -44601,7 +44622,7 @@
         </p:nvSpPr>
         <p:spPr>
           <a:xfrm>
-            <a:off x="2031933" y="3408825"/>
+            <a:off x="2020782" y="3592573"/>
             <a:ext cx="489147" cy="112059"/>
           </a:xfrm>
           <a:prstGeom prst="leftRightArrow">
@@ -44765,6 +44786,169 @@
           </a:prstGeom>
           <a:solidFill>
             <a:srgbClr val="00B050"/>
+          </a:solidFill>
+          <a:ln>
+            <a:noFill/>
+          </a:ln>
+        </p:spPr>
+        <p:style>
+          <a:lnRef idx="2">
+            <a:schemeClr val="accent1">
+              <a:shade val="50000"/>
+            </a:schemeClr>
+          </a:lnRef>
+          <a:fillRef idx="1">
+            <a:schemeClr val="accent1"/>
+          </a:fillRef>
+          <a:effectRef idx="0">
+            <a:schemeClr val="accent1"/>
+          </a:effectRef>
+          <a:fontRef idx="minor">
+            <a:schemeClr val="lt1"/>
+          </a:fontRef>
+        </p:style>
+        <p:txBody>
+          <a:bodyPr rtlCol="0" anchor="ctr"/>
+          <a:lstStyle/>
+          <a:p>
+            <a:pPr algn="ctr"/>
+            <a:endParaRPr lang="zh-CN" altLang="en-US"/>
+          </a:p>
+        </p:txBody>
+      </p:sp>
+      <p:sp>
+        <p:nvSpPr>
+          <p:cNvPr id="32" name="Arrow: Bent-Up 31">
+            <a:extLst>
+              <a:ext uri="{FF2B5EF4-FFF2-40B4-BE49-F238E27FC236}">
+                <a16:creationId xmlns:a16="http://schemas.microsoft.com/office/drawing/2014/main" id="{ACD8CCAD-BBE4-4FA6-8564-22E3101FE17C}"/>
+              </a:ext>
+            </a:extLst>
+          </p:cNvPr>
+          <p:cNvSpPr/>
+          <p:nvPr/>
+        </p:nvSpPr>
+        <p:spPr>
+          <a:xfrm rot="5400000">
+            <a:off x="6156224" y="3904385"/>
+            <a:ext cx="797672" cy="398169"/>
+          </a:xfrm>
+          <a:prstGeom prst="bentUpArrow">
+            <a:avLst/>
+          </a:prstGeom>
+          <a:solidFill>
+            <a:schemeClr val="accent1"/>
+          </a:solidFill>
+          <a:ln>
+            <a:noFill/>
+          </a:ln>
+        </p:spPr>
+        <p:style>
+          <a:lnRef idx="2">
+            <a:schemeClr val="accent1">
+              <a:shade val="50000"/>
+            </a:schemeClr>
+          </a:lnRef>
+          <a:fillRef idx="1">
+            <a:schemeClr val="accent1"/>
+          </a:fillRef>
+          <a:effectRef idx="0">
+            <a:schemeClr val="accent1"/>
+          </a:effectRef>
+          <a:fontRef idx="minor">
+            <a:schemeClr val="lt1"/>
+          </a:fontRef>
+        </p:style>
+        <p:txBody>
+          <a:bodyPr rtlCol="0" anchor="ctr"/>
+          <a:lstStyle/>
+          <a:p>
+            <a:pPr algn="ctr"/>
+            <a:endParaRPr lang="zh-CN" altLang="en-US"/>
+          </a:p>
+        </p:txBody>
+      </p:sp>
+      <p:sp>
+        <p:nvSpPr>
+          <p:cNvPr id="37" name="Rectangle 36">
+            <a:extLst>
+              <a:ext uri="{FF2B5EF4-FFF2-40B4-BE49-F238E27FC236}">
+                <a16:creationId xmlns:a16="http://schemas.microsoft.com/office/drawing/2014/main" id="{2853DB18-87CF-4BB7-ADAA-D31BBC43B3AB}"/>
+              </a:ext>
+            </a:extLst>
+          </p:cNvPr>
+          <p:cNvSpPr/>
+          <p:nvPr/>
+        </p:nvSpPr>
+        <p:spPr>
+          <a:xfrm>
+            <a:off x="6845872" y="4332188"/>
+            <a:ext cx="938240" cy="255495"/>
+          </a:xfrm>
+          <a:prstGeom prst="rect">
+            <a:avLst/>
+          </a:prstGeom>
+          <a:solidFill>
+            <a:schemeClr val="accent1"/>
+          </a:solidFill>
+          <a:ln>
+            <a:noFill/>
+          </a:ln>
+        </p:spPr>
+        <p:style>
+          <a:lnRef idx="2">
+            <a:schemeClr val="accent1">
+              <a:shade val="50000"/>
+            </a:schemeClr>
+          </a:lnRef>
+          <a:fillRef idx="1">
+            <a:schemeClr val="accent1"/>
+          </a:fillRef>
+          <a:effectRef idx="0">
+            <a:schemeClr val="accent1"/>
+          </a:effectRef>
+          <a:fontRef idx="minor">
+            <a:schemeClr val="lt1"/>
+          </a:fontRef>
+        </p:style>
+        <p:txBody>
+          <a:bodyPr rtlCol="0" anchor="ctr"/>
+          <a:lstStyle/>
+          <a:p>
+            <a:pPr algn="ctr"/>
+            <a:r>
+              <a:rPr lang="zh-CN" altLang="en-US" sz="800" dirty="0">
+                <a:solidFill>
+                  <a:schemeClr val="tx1"/>
+                </a:solidFill>
+              </a:rPr>
+              <a:t>应用程序代码</a:t>
+            </a:r>
+          </a:p>
+        </p:txBody>
+      </p:sp>
+      <p:sp>
+        <p:nvSpPr>
+          <p:cNvPr id="38" name="Arrow: Bent-Up 37">
+            <a:extLst>
+              <a:ext uri="{FF2B5EF4-FFF2-40B4-BE49-F238E27FC236}">
+                <a16:creationId xmlns:a16="http://schemas.microsoft.com/office/drawing/2014/main" id="{1611CD4B-AD0C-443B-B2C1-705E70DB65AC}"/>
+              </a:ext>
+            </a:extLst>
+          </p:cNvPr>
+          <p:cNvSpPr/>
+          <p:nvPr/>
+        </p:nvSpPr>
+        <p:spPr>
+          <a:xfrm>
+            <a:off x="7891258" y="3637428"/>
+            <a:ext cx="423010" cy="787484"/>
+          </a:xfrm>
+          <a:prstGeom prst="bentUpArrow">
+            <a:avLst/>
+          </a:prstGeom>
+          <a:solidFill>
+            <a:schemeClr val="accent1"/>
           </a:solidFill>
           <a:ln>
             <a:noFill/>
@@ -46423,6 +46607,154 @@
 </file>
 
 <file path=customXml/item1.xml><?xml version="1.0" encoding="utf-8"?>
+<ct:contentTypeSchema xmlns:ct="http://schemas.microsoft.com/office/2006/metadata/contentType" xmlns:ma="http://schemas.microsoft.com/office/2006/metadata/properties/metaAttributes" ct:_="" ma:_="" ma:contentTypeName="Document" ma:contentTypeID="0x0101002CE968E3BB9F4843B3A832032CCD6B04" ma:contentTypeVersion="2" ma:contentTypeDescription="Create a new document." ma:contentTypeScope="" ma:versionID="8d03a387be0ad6324cd48a4256487172">
+  <xsd:schema xmlns:xsd="http://www.w3.org/2001/XMLSchema" xmlns:xs="http://www.w3.org/2001/XMLSchema" xmlns:p="http://schemas.microsoft.com/office/2006/metadata/properties" xmlns:ns2="49b76c53-7fae-4238-9f45-8699d1c05a07" targetNamespace="http://schemas.microsoft.com/office/2006/metadata/properties" ma:root="true" ma:fieldsID="f4a7ce41b1a5585f8d2be2a933150505" ns2:_="">
+    <xsd:import namespace="49b76c53-7fae-4238-9f45-8699d1c05a07"/>
+    <xsd:element name="properties">
+      <xsd:complexType>
+        <xsd:sequence>
+          <xsd:element name="documentManagement">
+            <xsd:complexType>
+              <xsd:all>
+                <xsd:element ref="ns2:SharedWithUsers" minOccurs="0"/>
+                <xsd:element ref="ns2:SharedWithDetails" minOccurs="0"/>
+              </xsd:all>
+            </xsd:complexType>
+          </xsd:element>
+        </xsd:sequence>
+      </xsd:complexType>
+    </xsd:element>
+  </xsd:schema>
+  <xsd:schema xmlns:xsd="http://www.w3.org/2001/XMLSchema" xmlns:xs="http://www.w3.org/2001/XMLSchema" xmlns:dms="http://schemas.microsoft.com/office/2006/documentManagement/types" xmlns:pc="http://schemas.microsoft.com/office/infopath/2007/PartnerControls" targetNamespace="49b76c53-7fae-4238-9f45-8699d1c05a07" elementFormDefault="qualified">
+    <xsd:import namespace="http://schemas.microsoft.com/office/2006/documentManagement/types"/>
+    <xsd:import namespace="http://schemas.microsoft.com/office/infopath/2007/PartnerControls"/>
+    <xsd:element name="SharedWithUsers" ma:index="8" nillable="true" ma:displayName="Shared With" ma:description="" ma:internalName="SharedWithUsers" ma:readOnly="true">
+      <xsd:complexType>
+        <xsd:complexContent>
+          <xsd:extension base="dms:UserMulti">
+            <xsd:sequence>
+              <xsd:element name="UserInfo" minOccurs="0" maxOccurs="unbounded">
+                <xsd:complexType>
+                  <xsd:sequence>
+                    <xsd:element name="DisplayName" type="xsd:string" minOccurs="0"/>
+                    <xsd:element name="AccountId" type="dms:UserId" minOccurs="0" nillable="true"/>
+                    <xsd:element name="AccountType" type="xsd:string" minOccurs="0"/>
+                  </xsd:sequence>
+                </xsd:complexType>
+              </xsd:element>
+            </xsd:sequence>
+          </xsd:extension>
+        </xsd:complexContent>
+      </xsd:complexType>
+    </xsd:element>
+    <xsd:element name="SharedWithDetails" ma:index="9" nillable="true" ma:displayName="Shared With Details" ma:description="" ma:internalName="SharedWithDetails" ma:readOnly="true">
+      <xsd:simpleType>
+        <xsd:restriction base="dms:Note">
+          <xsd:maxLength value="255"/>
+        </xsd:restriction>
+      </xsd:simpleType>
+    </xsd:element>
+  </xsd:schema>
+  <xsd:schema xmlns="http://schemas.openxmlformats.org/package/2006/metadata/core-properties" xmlns:xsd="http://www.w3.org/2001/XMLSchema" xmlns:xsi="http://www.w3.org/2001/XMLSchema-instance" xmlns:dc="http://purl.org/dc/elements/1.1/" xmlns:dcterms="http://purl.org/dc/terms/" xmlns:odoc="http://schemas.microsoft.com/internal/obd" targetNamespace="http://schemas.openxmlformats.org/package/2006/metadata/core-properties" elementFormDefault="qualified" attributeFormDefault="unqualified" blockDefault="#all">
+    <xsd:import namespace="http://purl.org/dc/elements/1.1/" schemaLocation="http://dublincore.org/schemas/xmls/qdc/2003/04/02/dc.xsd"/>
+    <xsd:import namespace="http://purl.org/dc/terms/" schemaLocation="http://dublincore.org/schemas/xmls/qdc/2003/04/02/dcterms.xsd"/>
+    <xsd:element name="coreProperties" type="CT_coreProperties"/>
+    <xsd:complexType name="CT_coreProperties">
+      <xsd:all>
+        <xsd:element ref="dc:creator" minOccurs="0" maxOccurs="1"/>
+        <xsd:element ref="dcterms:created" minOccurs="0" maxOccurs="1"/>
+        <xsd:element ref="dc:identifier" minOccurs="0" maxOccurs="1"/>
+        <xsd:element name="contentType" minOccurs="0" maxOccurs="1" type="xsd:string" ma:index="0" ma:displayName="Content Type"/>
+        <xsd:element ref="dc:title" minOccurs="0" maxOccurs="1" ma:index="4" ma:displayName="Title"/>
+        <xsd:element ref="dc:subject" minOccurs="0" maxOccurs="1"/>
+        <xsd:element ref="dc:description" minOccurs="0" maxOccurs="1"/>
+        <xsd:element name="keywords" minOccurs="0" maxOccurs="1" type="xsd:string"/>
+        <xsd:element ref="dc:language" minOccurs="0" maxOccurs="1"/>
+        <xsd:element name="category" minOccurs="0" maxOccurs="1" type="xsd:string"/>
+        <xsd:element name="version" minOccurs="0" maxOccurs="1" type="xsd:string"/>
+        <xsd:element name="revision" minOccurs="0" maxOccurs="1" type="xsd:string">
+          <xsd:annotation>
+            <xsd:documentation>
+                        This value indicates the number of saves or revisions. The application is responsible for updating this value after each revision.
+                    </xsd:documentation>
+          </xsd:annotation>
+        </xsd:element>
+        <xsd:element name="lastModifiedBy" minOccurs="0" maxOccurs="1" type="xsd:string"/>
+        <xsd:element ref="dcterms:modified" minOccurs="0" maxOccurs="1"/>
+        <xsd:element name="contentStatus" minOccurs="0" maxOccurs="1" type="xsd:string"/>
+      </xsd:all>
+    </xsd:complexType>
+  </xsd:schema>
+  <xs:schema xmlns:pc="http://schemas.microsoft.com/office/infopath/2007/PartnerControls" xmlns:xs="http://www.w3.org/2001/XMLSchema" targetNamespace="http://schemas.microsoft.com/office/infopath/2007/PartnerControls" elementFormDefault="qualified" attributeFormDefault="unqualified">
+    <xs:element name="Person">
+      <xs:complexType>
+        <xs:sequence>
+          <xs:element ref="pc:DisplayName" minOccurs="0"/>
+          <xs:element ref="pc:AccountId" minOccurs="0"/>
+          <xs:element ref="pc:AccountType" minOccurs="0"/>
+        </xs:sequence>
+      </xs:complexType>
+    </xs:element>
+    <xs:element name="DisplayName" type="xs:string"/>
+    <xs:element name="AccountId" type="xs:string"/>
+    <xs:element name="AccountType" type="xs:string"/>
+    <xs:element name="BDCAssociatedEntity">
+      <xs:complexType>
+        <xs:sequence>
+          <xs:element ref="pc:BDCEntity" minOccurs="0" maxOccurs="unbounded"/>
+        </xs:sequence>
+        <xs:attribute ref="pc:EntityNamespace"/>
+        <xs:attribute ref="pc:EntityName"/>
+        <xs:attribute ref="pc:SystemInstanceName"/>
+        <xs:attribute ref="pc:AssociationName"/>
+      </xs:complexType>
+    </xs:element>
+    <xs:attribute name="EntityNamespace" type="xs:string"/>
+    <xs:attribute name="EntityName" type="xs:string"/>
+    <xs:attribute name="SystemInstanceName" type="xs:string"/>
+    <xs:attribute name="AssociationName" type="xs:string"/>
+    <xs:element name="BDCEntity">
+      <xs:complexType>
+        <xs:sequence>
+          <xs:element ref="pc:EntityDisplayName" minOccurs="0"/>
+          <xs:element ref="pc:EntityInstanceReference" minOccurs="0"/>
+          <xs:element ref="pc:EntityId1" minOccurs="0"/>
+          <xs:element ref="pc:EntityId2" minOccurs="0"/>
+          <xs:element ref="pc:EntityId3" minOccurs="0"/>
+          <xs:element ref="pc:EntityId4" minOccurs="0"/>
+          <xs:element ref="pc:EntityId5" minOccurs="0"/>
+        </xs:sequence>
+      </xs:complexType>
+    </xs:element>
+    <xs:element name="EntityDisplayName" type="xs:string"/>
+    <xs:element name="EntityInstanceReference" type="xs:string"/>
+    <xs:element name="EntityId1" type="xs:string"/>
+    <xs:element name="EntityId2" type="xs:string"/>
+    <xs:element name="EntityId3" type="xs:string"/>
+    <xs:element name="EntityId4" type="xs:string"/>
+    <xs:element name="EntityId5" type="xs:string"/>
+    <xs:element name="Terms">
+      <xs:complexType>
+        <xs:sequence>
+          <xs:element ref="pc:TermInfo" minOccurs="0" maxOccurs="unbounded"/>
+        </xs:sequence>
+      </xs:complexType>
+    </xs:element>
+    <xs:element name="TermInfo">
+      <xs:complexType>
+        <xs:sequence>
+          <xs:element ref="pc:TermName" minOccurs="0"/>
+          <xs:element ref="pc:TermId" minOccurs="0"/>
+        </xs:sequence>
+      </xs:complexType>
+    </xs:element>
+    <xs:element name="TermName" type="xs:string"/>
+    <xs:element name="TermId" type="xs:string"/>
+  </xs:schema>
+</ct:contentTypeSchema>
+</file>
+
+<file path=customXml/item2.xml><?xml version="1.0" encoding="utf-8"?>
 <p:properties xmlns:p="http://schemas.microsoft.com/office/2006/metadata/properties" xmlns:xsi="http://www.w3.org/2001/XMLSchema-instance" xmlns:pc="http://schemas.microsoft.com/office/infopath/2007/PartnerControls">
   <documentManagement>
     <SharedWithUsers xmlns="49b76c53-7fae-4238-9f45-8699d1c05a07">
@@ -46606,154 +46938,6 @@
 </p:properties>
 </file>
 
-<file path=customXml/item2.xml><?xml version="1.0" encoding="utf-8"?>
-<ct:contentTypeSchema xmlns:ct="http://schemas.microsoft.com/office/2006/metadata/contentType" xmlns:ma="http://schemas.microsoft.com/office/2006/metadata/properties/metaAttributes" ct:_="" ma:_="" ma:contentTypeName="Document" ma:contentTypeID="0x0101002CE968E3BB9F4843B3A832032CCD6B04" ma:contentTypeVersion="2" ma:contentTypeDescription="Create a new document." ma:contentTypeScope="" ma:versionID="8d03a387be0ad6324cd48a4256487172">
-  <xsd:schema xmlns:xsd="http://www.w3.org/2001/XMLSchema" xmlns:xs="http://www.w3.org/2001/XMLSchema" xmlns:p="http://schemas.microsoft.com/office/2006/metadata/properties" xmlns:ns2="49b76c53-7fae-4238-9f45-8699d1c05a07" targetNamespace="http://schemas.microsoft.com/office/2006/metadata/properties" ma:root="true" ma:fieldsID="f4a7ce41b1a5585f8d2be2a933150505" ns2:_="">
-    <xsd:import namespace="49b76c53-7fae-4238-9f45-8699d1c05a07"/>
-    <xsd:element name="properties">
-      <xsd:complexType>
-        <xsd:sequence>
-          <xsd:element name="documentManagement">
-            <xsd:complexType>
-              <xsd:all>
-                <xsd:element ref="ns2:SharedWithUsers" minOccurs="0"/>
-                <xsd:element ref="ns2:SharedWithDetails" minOccurs="0"/>
-              </xsd:all>
-            </xsd:complexType>
-          </xsd:element>
-        </xsd:sequence>
-      </xsd:complexType>
-    </xsd:element>
-  </xsd:schema>
-  <xsd:schema xmlns:xsd="http://www.w3.org/2001/XMLSchema" xmlns:xs="http://www.w3.org/2001/XMLSchema" xmlns:dms="http://schemas.microsoft.com/office/2006/documentManagement/types" xmlns:pc="http://schemas.microsoft.com/office/infopath/2007/PartnerControls" targetNamespace="49b76c53-7fae-4238-9f45-8699d1c05a07" elementFormDefault="qualified">
-    <xsd:import namespace="http://schemas.microsoft.com/office/2006/documentManagement/types"/>
-    <xsd:import namespace="http://schemas.microsoft.com/office/infopath/2007/PartnerControls"/>
-    <xsd:element name="SharedWithUsers" ma:index="8" nillable="true" ma:displayName="Shared With" ma:description="" ma:internalName="SharedWithUsers" ma:readOnly="true">
-      <xsd:complexType>
-        <xsd:complexContent>
-          <xsd:extension base="dms:UserMulti">
-            <xsd:sequence>
-              <xsd:element name="UserInfo" minOccurs="0" maxOccurs="unbounded">
-                <xsd:complexType>
-                  <xsd:sequence>
-                    <xsd:element name="DisplayName" type="xsd:string" minOccurs="0"/>
-                    <xsd:element name="AccountId" type="dms:UserId" minOccurs="0" nillable="true"/>
-                    <xsd:element name="AccountType" type="xsd:string" minOccurs="0"/>
-                  </xsd:sequence>
-                </xsd:complexType>
-              </xsd:element>
-            </xsd:sequence>
-          </xsd:extension>
-        </xsd:complexContent>
-      </xsd:complexType>
-    </xsd:element>
-    <xsd:element name="SharedWithDetails" ma:index="9" nillable="true" ma:displayName="Shared With Details" ma:description="" ma:internalName="SharedWithDetails" ma:readOnly="true">
-      <xsd:simpleType>
-        <xsd:restriction base="dms:Note">
-          <xsd:maxLength value="255"/>
-        </xsd:restriction>
-      </xsd:simpleType>
-    </xsd:element>
-  </xsd:schema>
-  <xsd:schema xmlns="http://schemas.openxmlformats.org/package/2006/metadata/core-properties" xmlns:xsd="http://www.w3.org/2001/XMLSchema" xmlns:xsi="http://www.w3.org/2001/XMLSchema-instance" xmlns:dc="http://purl.org/dc/elements/1.1/" xmlns:dcterms="http://purl.org/dc/terms/" xmlns:odoc="http://schemas.microsoft.com/internal/obd" targetNamespace="http://schemas.openxmlformats.org/package/2006/metadata/core-properties" elementFormDefault="qualified" attributeFormDefault="unqualified" blockDefault="#all">
-    <xsd:import namespace="http://purl.org/dc/elements/1.1/" schemaLocation="http://dublincore.org/schemas/xmls/qdc/2003/04/02/dc.xsd"/>
-    <xsd:import namespace="http://purl.org/dc/terms/" schemaLocation="http://dublincore.org/schemas/xmls/qdc/2003/04/02/dcterms.xsd"/>
-    <xsd:element name="coreProperties" type="CT_coreProperties"/>
-    <xsd:complexType name="CT_coreProperties">
-      <xsd:all>
-        <xsd:element ref="dc:creator" minOccurs="0" maxOccurs="1"/>
-        <xsd:element ref="dcterms:created" minOccurs="0" maxOccurs="1"/>
-        <xsd:element ref="dc:identifier" minOccurs="0" maxOccurs="1"/>
-        <xsd:element name="contentType" minOccurs="0" maxOccurs="1" type="xsd:string" ma:index="0" ma:displayName="Content Type"/>
-        <xsd:element ref="dc:title" minOccurs="0" maxOccurs="1" ma:index="4" ma:displayName="Title"/>
-        <xsd:element ref="dc:subject" minOccurs="0" maxOccurs="1"/>
-        <xsd:element ref="dc:description" minOccurs="0" maxOccurs="1"/>
-        <xsd:element name="keywords" minOccurs="0" maxOccurs="1" type="xsd:string"/>
-        <xsd:element ref="dc:language" minOccurs="0" maxOccurs="1"/>
-        <xsd:element name="category" minOccurs="0" maxOccurs="1" type="xsd:string"/>
-        <xsd:element name="version" minOccurs="0" maxOccurs="1" type="xsd:string"/>
-        <xsd:element name="revision" minOccurs="0" maxOccurs="1" type="xsd:string">
-          <xsd:annotation>
-            <xsd:documentation>
-                        This value indicates the number of saves or revisions. The application is responsible for updating this value after each revision.
-                    </xsd:documentation>
-          </xsd:annotation>
-        </xsd:element>
-        <xsd:element name="lastModifiedBy" minOccurs="0" maxOccurs="1" type="xsd:string"/>
-        <xsd:element ref="dcterms:modified" minOccurs="0" maxOccurs="1"/>
-        <xsd:element name="contentStatus" minOccurs="0" maxOccurs="1" type="xsd:string"/>
-      </xsd:all>
-    </xsd:complexType>
-  </xsd:schema>
-  <xs:schema xmlns:pc="http://schemas.microsoft.com/office/infopath/2007/PartnerControls" xmlns:xs="http://www.w3.org/2001/XMLSchema" targetNamespace="http://schemas.microsoft.com/office/infopath/2007/PartnerControls" elementFormDefault="qualified" attributeFormDefault="unqualified">
-    <xs:element name="Person">
-      <xs:complexType>
-        <xs:sequence>
-          <xs:element ref="pc:DisplayName" minOccurs="0"/>
-          <xs:element ref="pc:AccountId" minOccurs="0"/>
-          <xs:element ref="pc:AccountType" minOccurs="0"/>
-        </xs:sequence>
-      </xs:complexType>
-    </xs:element>
-    <xs:element name="DisplayName" type="xs:string"/>
-    <xs:element name="AccountId" type="xs:string"/>
-    <xs:element name="AccountType" type="xs:string"/>
-    <xs:element name="BDCAssociatedEntity">
-      <xs:complexType>
-        <xs:sequence>
-          <xs:element ref="pc:BDCEntity" minOccurs="0" maxOccurs="unbounded"/>
-        </xs:sequence>
-        <xs:attribute ref="pc:EntityNamespace"/>
-        <xs:attribute ref="pc:EntityName"/>
-        <xs:attribute ref="pc:SystemInstanceName"/>
-        <xs:attribute ref="pc:AssociationName"/>
-      </xs:complexType>
-    </xs:element>
-    <xs:attribute name="EntityNamespace" type="xs:string"/>
-    <xs:attribute name="EntityName" type="xs:string"/>
-    <xs:attribute name="SystemInstanceName" type="xs:string"/>
-    <xs:attribute name="AssociationName" type="xs:string"/>
-    <xs:element name="BDCEntity">
-      <xs:complexType>
-        <xs:sequence>
-          <xs:element ref="pc:EntityDisplayName" minOccurs="0"/>
-          <xs:element ref="pc:EntityInstanceReference" minOccurs="0"/>
-          <xs:element ref="pc:EntityId1" minOccurs="0"/>
-          <xs:element ref="pc:EntityId2" minOccurs="0"/>
-          <xs:element ref="pc:EntityId3" minOccurs="0"/>
-          <xs:element ref="pc:EntityId4" minOccurs="0"/>
-          <xs:element ref="pc:EntityId5" minOccurs="0"/>
-        </xs:sequence>
-      </xs:complexType>
-    </xs:element>
-    <xs:element name="EntityDisplayName" type="xs:string"/>
-    <xs:element name="EntityInstanceReference" type="xs:string"/>
-    <xs:element name="EntityId1" type="xs:string"/>
-    <xs:element name="EntityId2" type="xs:string"/>
-    <xs:element name="EntityId3" type="xs:string"/>
-    <xs:element name="EntityId4" type="xs:string"/>
-    <xs:element name="EntityId5" type="xs:string"/>
-    <xs:element name="Terms">
-      <xs:complexType>
-        <xs:sequence>
-          <xs:element ref="pc:TermInfo" minOccurs="0" maxOccurs="unbounded"/>
-        </xs:sequence>
-      </xs:complexType>
-    </xs:element>
-    <xs:element name="TermInfo">
-      <xs:complexType>
-        <xs:sequence>
-          <xs:element ref="pc:TermName" minOccurs="0"/>
-          <xs:element ref="pc:TermId" minOccurs="0"/>
-        </xs:sequence>
-      </xs:complexType>
-    </xs:element>
-    <xs:element name="TermName" type="xs:string"/>
-    <xs:element name="TermId" type="xs:string"/>
-  </xs:schema>
-</ct:contentTypeSchema>
-</file>
-
 <file path=customXml/item3.xml><?xml version="1.0" encoding="utf-8"?>
 <?mso-contentType ?>
 <FormTemplates xmlns="http://schemas.microsoft.com/sharepoint/v3/contenttype/forms">
@@ -46764,22 +46948,6 @@
 </file>
 
 <file path=customXml/itemProps1.xml><?xml version="1.0" encoding="utf-8"?>
-<ds:datastoreItem xmlns:ds="http://schemas.openxmlformats.org/officeDocument/2006/customXml" ds:itemID="{3F7B73CB-DD68-4F89-86B1-AFFB247BCD73}">
-  <ds:schemaRefs>
-    <ds:schemaRef ds:uri="http://schemas.microsoft.com/office/infopath/2007/PartnerControls"/>
-    <ds:schemaRef ds:uri="http://purl.org/dc/dcmitype/"/>
-    <ds:schemaRef ds:uri="http://purl.org/dc/elements/1.1/"/>
-    <ds:schemaRef ds:uri="http://purl.org/dc/terms/"/>
-    <ds:schemaRef ds:uri="http://schemas.microsoft.com/office/2006/documentManagement/types"/>
-    <ds:schemaRef ds:uri="http://schemas.microsoft.com/office/2006/metadata/properties"/>
-    <ds:schemaRef ds:uri="http://schemas.openxmlformats.org/package/2006/metadata/core-properties"/>
-    <ds:schemaRef ds:uri="49b76c53-7fae-4238-9f45-8699d1c05a07"/>
-    <ds:schemaRef ds:uri="http://www.w3.org/XML/1998/namespace"/>
-  </ds:schemaRefs>
-</ds:datastoreItem>
-</file>
-
-<file path=customXml/itemProps2.xml><?xml version="1.0" encoding="utf-8"?>
 <ds:datastoreItem xmlns:ds="http://schemas.openxmlformats.org/officeDocument/2006/customXml" ds:itemID="{CF86CD8D-DB53-424C-BCF8-5C994F50F4B3}">
   <ds:schemaRefs>
     <ds:schemaRef ds:uri="http://schemas.microsoft.com/office/2006/metadata/contentType"/>
@@ -46797,6 +46965,22 @@
 </ds:datastoreItem>
 </file>
 
+<file path=customXml/itemProps2.xml><?xml version="1.0" encoding="utf-8"?>
+<ds:datastoreItem xmlns:ds="http://schemas.openxmlformats.org/officeDocument/2006/customXml" ds:itemID="{3F7B73CB-DD68-4F89-86B1-AFFB247BCD73}">
+  <ds:schemaRefs>
+    <ds:schemaRef ds:uri="http://schemas.microsoft.com/office/infopath/2007/PartnerControls"/>
+    <ds:schemaRef ds:uri="http://purl.org/dc/dcmitype/"/>
+    <ds:schemaRef ds:uri="http://purl.org/dc/elements/1.1/"/>
+    <ds:schemaRef ds:uri="http://purl.org/dc/terms/"/>
+    <ds:schemaRef ds:uri="http://schemas.microsoft.com/office/2006/documentManagement/types"/>
+    <ds:schemaRef ds:uri="http://schemas.microsoft.com/office/2006/metadata/properties"/>
+    <ds:schemaRef ds:uri="http://schemas.openxmlformats.org/package/2006/metadata/core-properties"/>
+    <ds:schemaRef ds:uri="49b76c53-7fae-4238-9f45-8699d1c05a07"/>
+    <ds:schemaRef ds:uri="http://www.w3.org/XML/1998/namespace"/>
+  </ds:schemaRefs>
+</ds:datastoreItem>
+</file>
+
 <file path=customXml/itemProps3.xml><?xml version="1.0" encoding="utf-8"?>
 <ds:datastoreItem xmlns:ds="http://schemas.openxmlformats.org/officeDocument/2006/customXml" ds:itemID="{71FBE14F-9C37-4C20-9E3E-47AA56D6B058}">
   <ds:schemaRefs>
